--- a/LNN.pptx
+++ b/LNN.pptx
@@ -2976,7 +2976,7 @@
         <p:spPr>
           <a:xfrm>
             <a:off x="2495600" y="548680"/>
-            <a:ext cx="7200800" cy="3059083"/>
+            <a:ext cx="7200800" cy="2448272"/>
           </a:xfrm>
           <a:prstGeom prst="rect">
             <a:avLst/>
@@ -3121,6 +3121,70 @@
                 </a:solidFill>
               </a:rPr>
               <a:t>남기현</a:t>
+            </a:r>
+            <a:endParaRPr lang="en-US" altLang="ko-KR" dirty="0" smtClean="0">
+              <a:solidFill>
+                <a:schemeClr val="tx1"/>
+              </a:solidFill>
+            </a:endParaRPr>
+          </a:p>
+          <a:p>
+            <a:pPr algn="ctr"/>
+            <a:r>
+              <a:rPr lang="ko-KR" altLang="en-US" dirty="0" smtClean="0">
+                <a:solidFill>
+                  <a:schemeClr val="tx1"/>
+                </a:solidFill>
+              </a:rPr>
+              <a:t>프로젝트 기간 </a:t>
+            </a:r>
+            <a:r>
+              <a:rPr lang="en-US" altLang="ko-KR" dirty="0" smtClean="0">
+                <a:solidFill>
+                  <a:schemeClr val="tx1"/>
+                </a:solidFill>
+              </a:rPr>
+              <a:t>: 3</a:t>
+            </a:r>
+            <a:r>
+              <a:rPr lang="ko-KR" altLang="en-US" dirty="0" smtClean="0">
+                <a:solidFill>
+                  <a:schemeClr val="tx1"/>
+                </a:solidFill>
+              </a:rPr>
+              <a:t>월 </a:t>
+            </a:r>
+            <a:r>
+              <a:rPr lang="en-US" altLang="ko-KR" dirty="0" smtClean="0">
+                <a:solidFill>
+                  <a:schemeClr val="tx1"/>
+                </a:solidFill>
+              </a:rPr>
+              <a:t>27 ~ 4</a:t>
+            </a:r>
+            <a:r>
+              <a:rPr lang="ko-KR" altLang="en-US" dirty="0" smtClean="0">
+                <a:solidFill>
+                  <a:schemeClr val="tx1"/>
+                </a:solidFill>
+              </a:rPr>
+              <a:t>월 </a:t>
+            </a:r>
+            <a:r>
+              <a:rPr lang="en-US" altLang="ko-KR" dirty="0" smtClean="0">
+                <a:solidFill>
+                  <a:schemeClr val="tx1"/>
+                </a:solidFill>
+              </a:rPr>
+              <a:t>29</a:t>
+            </a:r>
+            <a:r>
+              <a:rPr lang="ko-KR" altLang="en-US" dirty="0" smtClean="0">
+                <a:solidFill>
+                  <a:schemeClr val="tx1"/>
+                </a:solidFill>
+              </a:rPr>
+              <a:t>일</a:t>
             </a:r>
             <a:endParaRPr lang="ko-KR" altLang="en-US" dirty="0">
               <a:solidFill>
@@ -9778,7 +9842,6 @@
               <a:rPr lang="en-US" altLang="ko-KR" sz="3200" dirty="0"/>
               <a:t>Authority</a:t>
             </a:r>
-            <a:endParaRPr lang="en-US" altLang="ko-KR" sz="3200" dirty="0"/>
           </a:p>
           <a:p>
             <a:pPr marL="342900" indent="-342900">
@@ -12100,11 +12163,7 @@
             <a:pPr algn="ctr"/>
             <a:r>
               <a:rPr lang="ko-KR" altLang="en-US" sz="1200" dirty="0" smtClean="0"/>
-              <a:t>회원</a:t>
-            </a:r>
-            <a:r>
-              <a:rPr lang="ko-KR" altLang="en-US" sz="1200" dirty="0" smtClean="0"/>
-              <a:t>탈퇴</a:t>
+              <a:t>회원탈퇴</a:t>
             </a:r>
             <a:endParaRPr lang="ko-KR" altLang="en-US" sz="1200" dirty="0"/>
           </a:p>
